--- a/planning/components.pptx
+++ b/planning/components.pptx
@@ -6,6 +6,7 @@
   </p:sldMasterIdLst>
   <p:sldIdLst>
     <p:sldId id="256" r:id="rId2"/>
+    <p:sldId id="257" r:id="rId3"/>
   </p:sldIdLst>
   <p:sldSz cx="12192000" cy="6858000"/>
   <p:notesSz cx="6858000" cy="9144000"/>
@@ -3342,10 +3343,1918 @@
           <a:chExt cx="0" cy="0"/>
         </a:xfrm>
       </p:grpSpPr>
+      <p:cxnSp>
+        <p:nvCxnSpPr>
+          <p:cNvPr id="5" name="Straight Connector 4">
+            <a:extLst>
+              <a:ext uri="{FF2B5EF4-FFF2-40B4-BE49-F238E27FC236}">
+                <a16:creationId xmlns:a16="http://schemas.microsoft.com/office/drawing/2014/main" id="{D6A58485-E1E9-FD4D-91C9-249FF32F4842}"/>
+              </a:ext>
+            </a:extLst>
+          </p:cNvPr>
+          <p:cNvCxnSpPr/>
+          <p:nvPr/>
+        </p:nvCxnSpPr>
+        <p:spPr>
+          <a:xfrm>
+            <a:off x="3271838" y="0"/>
+            <a:ext cx="0" cy="6858000"/>
+          </a:xfrm>
+          <a:prstGeom prst="line">
+            <a:avLst/>
+          </a:prstGeom>
+        </p:spPr>
+        <p:style>
+          <a:lnRef idx="1">
+            <a:schemeClr val="accent1"/>
+          </a:lnRef>
+          <a:fillRef idx="0">
+            <a:schemeClr val="accent1"/>
+          </a:fillRef>
+          <a:effectRef idx="0">
+            <a:schemeClr val="accent1"/>
+          </a:effectRef>
+          <a:fontRef idx="minor">
+            <a:schemeClr val="tx1"/>
+          </a:fontRef>
+        </p:style>
+      </p:cxnSp>
+      <p:cxnSp>
+        <p:nvCxnSpPr>
+          <p:cNvPr id="7" name="Straight Connector 6">
+            <a:extLst>
+              <a:ext uri="{FF2B5EF4-FFF2-40B4-BE49-F238E27FC236}">
+                <a16:creationId xmlns:a16="http://schemas.microsoft.com/office/drawing/2014/main" id="{B3A50514-A215-AF4A-8730-1CECD0992A3D}"/>
+              </a:ext>
+            </a:extLst>
+          </p:cNvPr>
+          <p:cNvCxnSpPr/>
+          <p:nvPr/>
+        </p:nvCxnSpPr>
+        <p:spPr>
+          <a:xfrm>
+            <a:off x="3271838" y="654909"/>
+            <a:ext cx="9010778" cy="0"/>
+          </a:xfrm>
+          <a:prstGeom prst="line">
+            <a:avLst/>
+          </a:prstGeom>
+        </p:spPr>
+        <p:style>
+          <a:lnRef idx="1">
+            <a:schemeClr val="accent1"/>
+          </a:lnRef>
+          <a:fillRef idx="0">
+            <a:schemeClr val="accent1"/>
+          </a:fillRef>
+          <a:effectRef idx="0">
+            <a:schemeClr val="accent1"/>
+          </a:effectRef>
+          <a:fontRef idx="minor">
+            <a:schemeClr val="tx1"/>
+          </a:fontRef>
+        </p:style>
+      </p:cxnSp>
+      <p:cxnSp>
+        <p:nvCxnSpPr>
+          <p:cNvPr id="9" name="Straight Connector 8">
+            <a:extLst>
+              <a:ext uri="{FF2B5EF4-FFF2-40B4-BE49-F238E27FC236}">
+                <a16:creationId xmlns:a16="http://schemas.microsoft.com/office/drawing/2014/main" id="{99931F2B-1163-D84B-A918-3287149B69A8}"/>
+              </a:ext>
+            </a:extLst>
+          </p:cNvPr>
+          <p:cNvCxnSpPr>
+            <a:cxnSpLocks/>
+          </p:cNvCxnSpPr>
+          <p:nvPr/>
+        </p:nvCxnSpPr>
+        <p:spPr>
+          <a:xfrm flipH="1">
+            <a:off x="0" y="654909"/>
+            <a:ext cx="3271838" cy="0"/>
+          </a:xfrm>
+          <a:prstGeom prst="line">
+            <a:avLst/>
+          </a:prstGeom>
+        </p:spPr>
+        <p:style>
+          <a:lnRef idx="1">
+            <a:schemeClr val="accent1"/>
+          </a:lnRef>
+          <a:fillRef idx="0">
+            <a:schemeClr val="accent1"/>
+          </a:fillRef>
+          <a:effectRef idx="0">
+            <a:schemeClr val="accent1"/>
+          </a:effectRef>
+          <a:fontRef idx="minor">
+            <a:schemeClr val="tx1"/>
+          </a:fontRef>
+        </p:style>
+      </p:cxnSp>
+      <p:cxnSp>
+        <p:nvCxnSpPr>
+          <p:cNvPr id="12" name="Straight Connector 11">
+            <a:extLst>
+              <a:ext uri="{FF2B5EF4-FFF2-40B4-BE49-F238E27FC236}">
+                <a16:creationId xmlns:a16="http://schemas.microsoft.com/office/drawing/2014/main" id="{045470DF-CA52-174D-8A1C-6C03D04DDE24}"/>
+              </a:ext>
+            </a:extLst>
+          </p:cNvPr>
+          <p:cNvCxnSpPr>
+            <a:cxnSpLocks/>
+          </p:cNvCxnSpPr>
+          <p:nvPr/>
+        </p:nvCxnSpPr>
+        <p:spPr>
+          <a:xfrm>
+            <a:off x="0" y="976184"/>
+            <a:ext cx="3271838" cy="0"/>
+          </a:xfrm>
+          <a:prstGeom prst="line">
+            <a:avLst/>
+          </a:prstGeom>
+        </p:spPr>
+        <p:style>
+          <a:lnRef idx="1">
+            <a:schemeClr val="accent1"/>
+          </a:lnRef>
+          <a:fillRef idx="0">
+            <a:schemeClr val="accent1"/>
+          </a:fillRef>
+          <a:effectRef idx="0">
+            <a:schemeClr val="accent1"/>
+          </a:effectRef>
+          <a:fontRef idx="minor">
+            <a:schemeClr val="tx1"/>
+          </a:fontRef>
+        </p:style>
+      </p:cxnSp>
+      <p:sp>
+        <p:nvSpPr>
+          <p:cNvPr id="13" name="TextBox 12">
+            <a:extLst>
+              <a:ext uri="{FF2B5EF4-FFF2-40B4-BE49-F238E27FC236}">
+                <a16:creationId xmlns:a16="http://schemas.microsoft.com/office/drawing/2014/main" id="{6B2230A9-CC2A-1843-8981-3DBA669A8769}"/>
+              </a:ext>
+            </a:extLst>
+          </p:cNvPr>
+          <p:cNvSpPr txBox="1"/>
+          <p:nvPr/>
+        </p:nvSpPr>
+        <p:spPr>
+          <a:xfrm>
+            <a:off x="3806710" y="38441"/>
+            <a:ext cx="1815497" cy="369332"/>
+          </a:xfrm>
+          <a:prstGeom prst="rect">
+            <a:avLst/>
+          </a:prstGeom>
+          <a:noFill/>
+        </p:spPr>
+        <p:txBody>
+          <a:bodyPr wrap="none" rtlCol="0">
+            <a:spAutoFit/>
+          </a:bodyPr>
+          <a:lstStyle/>
+          <a:p>
+            <a:r>
+              <a:rPr lang="en-US" dirty="0"/>
+              <a:t>Group chat name</a:t>
+            </a:r>
+          </a:p>
+        </p:txBody>
+      </p:sp>
+      <p:sp>
+        <p:nvSpPr>
+          <p:cNvPr id="14" name="TextBox 13">
+            <a:extLst>
+              <a:ext uri="{FF2B5EF4-FFF2-40B4-BE49-F238E27FC236}">
+                <a16:creationId xmlns:a16="http://schemas.microsoft.com/office/drawing/2014/main" id="{FFFABD2C-48A5-DF47-BEB7-74CBE04EF38F}"/>
+              </a:ext>
+            </a:extLst>
+          </p:cNvPr>
+          <p:cNvSpPr txBox="1"/>
+          <p:nvPr/>
+        </p:nvSpPr>
+        <p:spPr>
+          <a:xfrm>
+            <a:off x="3806710" y="263949"/>
+            <a:ext cx="784767" cy="276999"/>
+          </a:xfrm>
+          <a:prstGeom prst="rect">
+            <a:avLst/>
+          </a:prstGeom>
+          <a:noFill/>
+        </p:spPr>
+        <p:txBody>
+          <a:bodyPr wrap="none" rtlCol="0">
+            <a:spAutoFit/>
+          </a:bodyPr>
+          <a:lstStyle/>
+          <a:p>
+            <a:r>
+              <a:rPr lang="en-US" sz="1200" dirty="0"/>
+              <a:t>Members</a:t>
+            </a:r>
+          </a:p>
+        </p:txBody>
+      </p:sp>
+      <p:sp>
+        <p:nvSpPr>
+          <p:cNvPr id="15" name="TextBox 14">
+            <a:extLst>
+              <a:ext uri="{FF2B5EF4-FFF2-40B4-BE49-F238E27FC236}">
+                <a16:creationId xmlns:a16="http://schemas.microsoft.com/office/drawing/2014/main" id="{009A0985-9829-2D4C-B3F5-86893580D54C}"/>
+              </a:ext>
+            </a:extLst>
+          </p:cNvPr>
+          <p:cNvSpPr txBox="1"/>
+          <p:nvPr/>
+        </p:nvSpPr>
+        <p:spPr>
+          <a:xfrm>
+            <a:off x="9854635" y="142789"/>
+            <a:ext cx="2318947" cy="369332"/>
+          </a:xfrm>
+          <a:prstGeom prst="rect">
+            <a:avLst/>
+          </a:prstGeom>
+          <a:noFill/>
+        </p:spPr>
+        <p:txBody>
+          <a:bodyPr wrap="square" rtlCol="0">
+            <a:spAutoFit/>
+          </a:bodyPr>
+          <a:lstStyle/>
+          <a:p>
+            <a:r>
+              <a:rPr lang="en-US" dirty="0"/>
+              <a:t>Extra details (e.g. links)</a:t>
+            </a:r>
+          </a:p>
+        </p:txBody>
+      </p:sp>
+      <p:sp>
+        <p:nvSpPr>
+          <p:cNvPr id="16" name="Oval 15">
+            <a:extLst>
+              <a:ext uri="{FF2B5EF4-FFF2-40B4-BE49-F238E27FC236}">
+                <a16:creationId xmlns:a16="http://schemas.microsoft.com/office/drawing/2014/main" id="{3CDCA2A9-9FFD-4349-AE69-2D643905C5A4}"/>
+              </a:ext>
+            </a:extLst>
+          </p:cNvPr>
+          <p:cNvSpPr/>
+          <p:nvPr/>
+        </p:nvSpPr>
+        <p:spPr>
+          <a:xfrm>
+            <a:off x="2602399" y="142790"/>
+            <a:ext cx="367959" cy="367959"/>
+          </a:xfrm>
+          <a:prstGeom prst="ellipse">
+            <a:avLst/>
+          </a:prstGeom>
+        </p:spPr>
+        <p:style>
+          <a:lnRef idx="2">
+            <a:schemeClr val="accent1">
+              <a:shade val="50000"/>
+            </a:schemeClr>
+          </a:lnRef>
+          <a:fillRef idx="1">
+            <a:schemeClr val="accent1"/>
+          </a:fillRef>
+          <a:effectRef idx="0">
+            <a:schemeClr val="accent1"/>
+          </a:effectRef>
+          <a:fontRef idx="minor">
+            <a:schemeClr val="lt1"/>
+          </a:fontRef>
+        </p:style>
+        <p:txBody>
+          <a:bodyPr rtlCol="0" anchor="ctr"/>
+          <a:lstStyle/>
+          <a:p>
+            <a:pPr algn="ctr"/>
+            <a:endParaRPr lang="en-US"/>
+          </a:p>
+        </p:txBody>
+      </p:sp>
+      <p:sp>
+        <p:nvSpPr>
+          <p:cNvPr id="17" name="Down Arrow 16">
+            <a:hlinkClick r:id="" action="ppaction://hlinkshowjump?jump=nextslide"/>
+            <a:extLst>
+              <a:ext uri="{FF2B5EF4-FFF2-40B4-BE49-F238E27FC236}">
+                <a16:creationId xmlns:a16="http://schemas.microsoft.com/office/drawing/2014/main" id="{4C53C909-E013-454A-92E7-4DECF0731DE2}"/>
+              </a:ext>
+            </a:extLst>
+          </p:cNvPr>
+          <p:cNvSpPr/>
+          <p:nvPr/>
+        </p:nvSpPr>
+        <p:spPr>
+          <a:xfrm>
+            <a:off x="3042016" y="252969"/>
+            <a:ext cx="45719" cy="138499"/>
+          </a:xfrm>
+          <a:prstGeom prst="downArrow">
+            <a:avLst/>
+          </a:prstGeom>
+        </p:spPr>
+        <p:style>
+          <a:lnRef idx="2">
+            <a:schemeClr val="accent1">
+              <a:shade val="50000"/>
+            </a:schemeClr>
+          </a:lnRef>
+          <a:fillRef idx="1">
+            <a:schemeClr val="accent1"/>
+          </a:fillRef>
+          <a:effectRef idx="0">
+            <a:schemeClr val="accent1"/>
+          </a:effectRef>
+          <a:fontRef idx="minor">
+            <a:schemeClr val="lt1"/>
+          </a:fontRef>
+        </p:style>
+        <p:txBody>
+          <a:bodyPr rtlCol="0" anchor="ctr"/>
+          <a:lstStyle/>
+          <a:p>
+            <a:pPr algn="ctr"/>
+            <a:endParaRPr lang="en-US"/>
+          </a:p>
+        </p:txBody>
+      </p:sp>
+      <p:sp>
+        <p:nvSpPr>
+          <p:cNvPr id="18" name="TextBox 17">
+            <a:extLst>
+              <a:ext uri="{FF2B5EF4-FFF2-40B4-BE49-F238E27FC236}">
+                <a16:creationId xmlns:a16="http://schemas.microsoft.com/office/drawing/2014/main" id="{4CA9D161-CA5A-B743-A9D1-65DA6DCA6E79}"/>
+              </a:ext>
+            </a:extLst>
+          </p:cNvPr>
+          <p:cNvSpPr txBox="1"/>
+          <p:nvPr/>
+        </p:nvSpPr>
+        <p:spPr>
+          <a:xfrm>
+            <a:off x="1886483" y="159951"/>
+            <a:ext cx="823076" cy="369332"/>
+          </a:xfrm>
+          <a:prstGeom prst="rect">
+            <a:avLst/>
+          </a:prstGeom>
+          <a:noFill/>
+        </p:spPr>
+        <p:txBody>
+          <a:bodyPr wrap="square" rtlCol="0">
+            <a:spAutoFit/>
+          </a:bodyPr>
+          <a:lstStyle/>
+          <a:p>
+            <a:r>
+              <a:rPr lang="en-US" dirty="0"/>
+              <a:t>name</a:t>
+            </a:r>
+          </a:p>
+        </p:txBody>
+      </p:sp>
+      <p:sp>
+        <p:nvSpPr>
+          <p:cNvPr id="19" name="TextBox 18">
+            <a:extLst>
+              <a:ext uri="{FF2B5EF4-FFF2-40B4-BE49-F238E27FC236}">
+                <a16:creationId xmlns:a16="http://schemas.microsoft.com/office/drawing/2014/main" id="{AA861CA2-0C86-F344-A6D6-394D0A8579C5}"/>
+              </a:ext>
+            </a:extLst>
+          </p:cNvPr>
+          <p:cNvSpPr txBox="1"/>
+          <p:nvPr/>
+        </p:nvSpPr>
+        <p:spPr>
+          <a:xfrm>
+            <a:off x="70987" y="98165"/>
+            <a:ext cx="951468" cy="461665"/>
+          </a:xfrm>
+          <a:prstGeom prst="rect">
+            <a:avLst/>
+          </a:prstGeom>
+          <a:noFill/>
+        </p:spPr>
+        <p:txBody>
+          <a:bodyPr wrap="square" rtlCol="0">
+            <a:spAutoFit/>
+          </a:bodyPr>
+          <a:lstStyle/>
+          <a:p>
+            <a:r>
+              <a:rPr lang="en-US" sz="1200" dirty="0"/>
+              <a:t>New group button</a:t>
+            </a:r>
+          </a:p>
+        </p:txBody>
+      </p:sp>
+      <p:sp>
+        <p:nvSpPr>
+          <p:cNvPr id="20" name="TextBox 19">
+            <a:extLst>
+              <a:ext uri="{FF2B5EF4-FFF2-40B4-BE49-F238E27FC236}">
+                <a16:creationId xmlns:a16="http://schemas.microsoft.com/office/drawing/2014/main" id="{8AC1E8A5-6D10-AB4F-8B5D-6A549C1E6952}"/>
+              </a:ext>
+            </a:extLst>
+          </p:cNvPr>
+          <p:cNvSpPr txBox="1"/>
+          <p:nvPr/>
+        </p:nvSpPr>
+        <p:spPr>
+          <a:xfrm>
+            <a:off x="70987" y="666807"/>
+            <a:ext cx="2809720" cy="307777"/>
+          </a:xfrm>
+          <a:prstGeom prst="rect">
+            <a:avLst/>
+          </a:prstGeom>
+          <a:noFill/>
+        </p:spPr>
+        <p:txBody>
+          <a:bodyPr wrap="square" rtlCol="0">
+            <a:spAutoFit/>
+          </a:bodyPr>
+          <a:lstStyle/>
+          <a:p>
+            <a:r>
+              <a:rPr lang="en-US" sz="1400" dirty="0"/>
+              <a:t>Chat search</a:t>
+            </a:r>
+          </a:p>
+        </p:txBody>
+      </p:sp>
+      <p:cxnSp>
+        <p:nvCxnSpPr>
+          <p:cNvPr id="23" name="Straight Connector 22">
+            <a:extLst>
+              <a:ext uri="{FF2B5EF4-FFF2-40B4-BE49-F238E27FC236}">
+                <a16:creationId xmlns:a16="http://schemas.microsoft.com/office/drawing/2014/main" id="{4506ED63-8115-5B43-BF02-59EF08552A00}"/>
+              </a:ext>
+            </a:extLst>
+          </p:cNvPr>
+          <p:cNvCxnSpPr>
+            <a:cxnSpLocks/>
+          </p:cNvCxnSpPr>
+          <p:nvPr/>
+        </p:nvCxnSpPr>
+        <p:spPr>
+          <a:xfrm flipH="1">
+            <a:off x="0" y="1556951"/>
+            <a:ext cx="3271837" cy="0"/>
+          </a:xfrm>
+          <a:prstGeom prst="line">
+            <a:avLst/>
+          </a:prstGeom>
+        </p:spPr>
+        <p:style>
+          <a:lnRef idx="1">
+            <a:schemeClr val="accent1"/>
+          </a:lnRef>
+          <a:fillRef idx="0">
+            <a:schemeClr val="accent1"/>
+          </a:fillRef>
+          <a:effectRef idx="0">
+            <a:schemeClr val="accent1"/>
+          </a:effectRef>
+          <a:fontRef idx="minor">
+            <a:schemeClr val="tx1"/>
+          </a:fontRef>
+        </p:style>
+      </p:cxnSp>
+      <p:cxnSp>
+        <p:nvCxnSpPr>
+          <p:cNvPr id="24" name="Straight Connector 23">
+            <a:extLst>
+              <a:ext uri="{FF2B5EF4-FFF2-40B4-BE49-F238E27FC236}">
+                <a16:creationId xmlns:a16="http://schemas.microsoft.com/office/drawing/2014/main" id="{7FFF9911-EFBB-8C4B-B741-8D65C61F8D8A}"/>
+              </a:ext>
+            </a:extLst>
+          </p:cNvPr>
+          <p:cNvCxnSpPr>
+            <a:cxnSpLocks/>
+          </p:cNvCxnSpPr>
+          <p:nvPr/>
+        </p:nvCxnSpPr>
+        <p:spPr>
+          <a:xfrm flipH="1">
+            <a:off x="0" y="2178908"/>
+            <a:ext cx="3297117" cy="0"/>
+          </a:xfrm>
+          <a:prstGeom prst="line">
+            <a:avLst/>
+          </a:prstGeom>
+        </p:spPr>
+        <p:style>
+          <a:lnRef idx="1">
+            <a:schemeClr val="accent1"/>
+          </a:lnRef>
+          <a:fillRef idx="0">
+            <a:schemeClr val="accent1"/>
+          </a:fillRef>
+          <a:effectRef idx="0">
+            <a:schemeClr val="accent1"/>
+          </a:effectRef>
+          <a:fontRef idx="minor">
+            <a:schemeClr val="tx1"/>
+          </a:fontRef>
+        </p:style>
+      </p:cxnSp>
+      <p:cxnSp>
+        <p:nvCxnSpPr>
+          <p:cNvPr id="27" name="Straight Connector 26">
+            <a:extLst>
+              <a:ext uri="{FF2B5EF4-FFF2-40B4-BE49-F238E27FC236}">
+                <a16:creationId xmlns:a16="http://schemas.microsoft.com/office/drawing/2014/main" id="{1037FC65-87C8-D04A-94BB-87FDCB900246}"/>
+              </a:ext>
+            </a:extLst>
+          </p:cNvPr>
+          <p:cNvCxnSpPr>
+            <a:cxnSpLocks/>
+          </p:cNvCxnSpPr>
+          <p:nvPr/>
+        </p:nvCxnSpPr>
+        <p:spPr>
+          <a:xfrm flipH="1">
+            <a:off x="-25280" y="2813222"/>
+            <a:ext cx="3297117" cy="0"/>
+          </a:xfrm>
+          <a:prstGeom prst="line">
+            <a:avLst/>
+          </a:prstGeom>
+        </p:spPr>
+        <p:style>
+          <a:lnRef idx="1">
+            <a:schemeClr val="accent1"/>
+          </a:lnRef>
+          <a:fillRef idx="0">
+            <a:schemeClr val="accent1"/>
+          </a:fillRef>
+          <a:effectRef idx="0">
+            <a:schemeClr val="accent1"/>
+          </a:effectRef>
+          <a:fontRef idx="minor">
+            <a:schemeClr val="tx1"/>
+          </a:fontRef>
+        </p:style>
+      </p:cxnSp>
+      <p:cxnSp>
+        <p:nvCxnSpPr>
+          <p:cNvPr id="28" name="Straight Connector 27">
+            <a:extLst>
+              <a:ext uri="{FF2B5EF4-FFF2-40B4-BE49-F238E27FC236}">
+                <a16:creationId xmlns:a16="http://schemas.microsoft.com/office/drawing/2014/main" id="{3F81FB73-03E9-D54C-898D-0FB250ECF822}"/>
+              </a:ext>
+            </a:extLst>
+          </p:cNvPr>
+          <p:cNvCxnSpPr>
+            <a:cxnSpLocks/>
+          </p:cNvCxnSpPr>
+          <p:nvPr/>
+        </p:nvCxnSpPr>
+        <p:spPr>
+          <a:xfrm flipH="1">
+            <a:off x="-25280" y="3429000"/>
+            <a:ext cx="3297117" cy="0"/>
+          </a:xfrm>
+          <a:prstGeom prst="line">
+            <a:avLst/>
+          </a:prstGeom>
+        </p:spPr>
+        <p:style>
+          <a:lnRef idx="1">
+            <a:schemeClr val="accent1"/>
+          </a:lnRef>
+          <a:fillRef idx="0">
+            <a:schemeClr val="accent1"/>
+          </a:fillRef>
+          <a:effectRef idx="0">
+            <a:schemeClr val="accent1"/>
+          </a:effectRef>
+          <a:fontRef idx="minor">
+            <a:schemeClr val="tx1"/>
+          </a:fontRef>
+        </p:style>
+      </p:cxnSp>
+      <p:cxnSp>
+        <p:nvCxnSpPr>
+          <p:cNvPr id="29" name="Straight Connector 28">
+            <a:extLst>
+              <a:ext uri="{FF2B5EF4-FFF2-40B4-BE49-F238E27FC236}">
+                <a16:creationId xmlns:a16="http://schemas.microsoft.com/office/drawing/2014/main" id="{F562DBA9-13FA-7D4C-8EB9-055FE510AC40}"/>
+              </a:ext>
+            </a:extLst>
+          </p:cNvPr>
+          <p:cNvCxnSpPr>
+            <a:cxnSpLocks/>
+          </p:cNvCxnSpPr>
+          <p:nvPr/>
+        </p:nvCxnSpPr>
+        <p:spPr>
+          <a:xfrm flipH="1">
+            <a:off x="-25281" y="4057136"/>
+            <a:ext cx="3297117" cy="0"/>
+          </a:xfrm>
+          <a:prstGeom prst="line">
+            <a:avLst/>
+          </a:prstGeom>
+        </p:spPr>
+        <p:style>
+          <a:lnRef idx="1">
+            <a:schemeClr val="accent1"/>
+          </a:lnRef>
+          <a:fillRef idx="0">
+            <a:schemeClr val="accent1"/>
+          </a:fillRef>
+          <a:effectRef idx="0">
+            <a:schemeClr val="accent1"/>
+          </a:effectRef>
+          <a:fontRef idx="minor">
+            <a:schemeClr val="tx1"/>
+          </a:fontRef>
+        </p:style>
+      </p:cxnSp>
+      <p:cxnSp>
+        <p:nvCxnSpPr>
+          <p:cNvPr id="30" name="Straight Connector 29">
+            <a:extLst>
+              <a:ext uri="{FF2B5EF4-FFF2-40B4-BE49-F238E27FC236}">
+                <a16:creationId xmlns:a16="http://schemas.microsoft.com/office/drawing/2014/main" id="{EDC068C1-5DBB-2B4F-A185-533FD5BDEAF2}"/>
+              </a:ext>
+            </a:extLst>
+          </p:cNvPr>
+          <p:cNvCxnSpPr>
+            <a:cxnSpLocks/>
+          </p:cNvCxnSpPr>
+          <p:nvPr/>
+        </p:nvCxnSpPr>
+        <p:spPr>
+          <a:xfrm flipH="1">
+            <a:off x="-25281" y="4687331"/>
+            <a:ext cx="3297117" cy="0"/>
+          </a:xfrm>
+          <a:prstGeom prst="line">
+            <a:avLst/>
+          </a:prstGeom>
+        </p:spPr>
+        <p:style>
+          <a:lnRef idx="1">
+            <a:schemeClr val="accent1"/>
+          </a:lnRef>
+          <a:fillRef idx="0">
+            <a:schemeClr val="accent1"/>
+          </a:fillRef>
+          <a:effectRef idx="0">
+            <a:schemeClr val="accent1"/>
+          </a:effectRef>
+          <a:fontRef idx="minor">
+            <a:schemeClr val="tx1"/>
+          </a:fontRef>
+        </p:style>
+      </p:cxnSp>
+      <p:cxnSp>
+        <p:nvCxnSpPr>
+          <p:cNvPr id="31" name="Straight Connector 30">
+            <a:extLst>
+              <a:ext uri="{FF2B5EF4-FFF2-40B4-BE49-F238E27FC236}">
+                <a16:creationId xmlns:a16="http://schemas.microsoft.com/office/drawing/2014/main" id="{15C1C7C5-1094-CA49-8170-DF8B37506A98}"/>
+              </a:ext>
+            </a:extLst>
+          </p:cNvPr>
+          <p:cNvCxnSpPr>
+            <a:cxnSpLocks/>
+          </p:cNvCxnSpPr>
+          <p:nvPr/>
+        </p:nvCxnSpPr>
+        <p:spPr>
+          <a:xfrm flipH="1">
+            <a:off x="0" y="5301049"/>
+            <a:ext cx="3297117" cy="0"/>
+          </a:xfrm>
+          <a:prstGeom prst="line">
+            <a:avLst/>
+          </a:prstGeom>
+        </p:spPr>
+        <p:style>
+          <a:lnRef idx="1">
+            <a:schemeClr val="accent1"/>
+          </a:lnRef>
+          <a:fillRef idx="0">
+            <a:schemeClr val="accent1"/>
+          </a:fillRef>
+          <a:effectRef idx="0">
+            <a:schemeClr val="accent1"/>
+          </a:effectRef>
+          <a:fontRef idx="minor">
+            <a:schemeClr val="tx1"/>
+          </a:fontRef>
+        </p:style>
+      </p:cxnSp>
+      <p:cxnSp>
+        <p:nvCxnSpPr>
+          <p:cNvPr id="32" name="Straight Connector 31">
+            <a:extLst>
+              <a:ext uri="{FF2B5EF4-FFF2-40B4-BE49-F238E27FC236}">
+                <a16:creationId xmlns:a16="http://schemas.microsoft.com/office/drawing/2014/main" id="{3D931B81-F851-D541-8BE1-942B7F74814D}"/>
+              </a:ext>
+            </a:extLst>
+          </p:cNvPr>
+          <p:cNvCxnSpPr>
+            <a:cxnSpLocks/>
+          </p:cNvCxnSpPr>
+          <p:nvPr/>
+        </p:nvCxnSpPr>
+        <p:spPr>
+          <a:xfrm flipH="1">
+            <a:off x="-25281" y="5923006"/>
+            <a:ext cx="3297117" cy="0"/>
+          </a:xfrm>
+          <a:prstGeom prst="line">
+            <a:avLst/>
+          </a:prstGeom>
+        </p:spPr>
+        <p:style>
+          <a:lnRef idx="1">
+            <a:schemeClr val="accent1"/>
+          </a:lnRef>
+          <a:fillRef idx="0">
+            <a:schemeClr val="accent1"/>
+          </a:fillRef>
+          <a:effectRef idx="0">
+            <a:schemeClr val="accent1"/>
+          </a:effectRef>
+          <a:fontRef idx="minor">
+            <a:schemeClr val="tx1"/>
+          </a:fontRef>
+        </p:style>
+      </p:cxnSp>
+      <p:cxnSp>
+        <p:nvCxnSpPr>
+          <p:cNvPr id="33" name="Straight Connector 32">
+            <a:extLst>
+              <a:ext uri="{FF2B5EF4-FFF2-40B4-BE49-F238E27FC236}">
+                <a16:creationId xmlns:a16="http://schemas.microsoft.com/office/drawing/2014/main" id="{CAC77284-D9DE-E942-979A-AEA4BFE2D754}"/>
+              </a:ext>
+            </a:extLst>
+          </p:cNvPr>
+          <p:cNvCxnSpPr>
+            <a:cxnSpLocks/>
+          </p:cNvCxnSpPr>
+          <p:nvPr/>
+        </p:nvCxnSpPr>
+        <p:spPr>
+          <a:xfrm flipH="1">
+            <a:off x="-25282" y="6491417"/>
+            <a:ext cx="3297117" cy="0"/>
+          </a:xfrm>
+          <a:prstGeom prst="line">
+            <a:avLst/>
+          </a:prstGeom>
+        </p:spPr>
+        <p:style>
+          <a:lnRef idx="1">
+            <a:schemeClr val="accent1"/>
+          </a:lnRef>
+          <a:fillRef idx="0">
+            <a:schemeClr val="accent1"/>
+          </a:fillRef>
+          <a:effectRef idx="0">
+            <a:schemeClr val="accent1"/>
+          </a:effectRef>
+          <a:fontRef idx="minor">
+            <a:schemeClr val="tx1"/>
+          </a:fontRef>
+        </p:style>
+      </p:cxnSp>
+      <p:sp>
+        <p:nvSpPr>
+          <p:cNvPr id="34" name="Oval 33">
+            <a:extLst>
+              <a:ext uri="{FF2B5EF4-FFF2-40B4-BE49-F238E27FC236}">
+                <a16:creationId xmlns:a16="http://schemas.microsoft.com/office/drawing/2014/main" id="{7F5D1B94-98CE-AA4F-BFF4-7509E4768A3F}"/>
+              </a:ext>
+            </a:extLst>
+          </p:cNvPr>
+          <p:cNvSpPr/>
+          <p:nvPr/>
+        </p:nvSpPr>
+        <p:spPr>
+          <a:xfrm>
+            <a:off x="3425475" y="152742"/>
+            <a:ext cx="367959" cy="367959"/>
+          </a:xfrm>
+          <a:prstGeom prst="ellipse">
+            <a:avLst/>
+          </a:prstGeom>
+        </p:spPr>
+        <p:style>
+          <a:lnRef idx="2">
+            <a:schemeClr val="accent1">
+              <a:shade val="50000"/>
+            </a:schemeClr>
+          </a:lnRef>
+          <a:fillRef idx="1">
+            <a:schemeClr val="accent1"/>
+          </a:fillRef>
+          <a:effectRef idx="0">
+            <a:schemeClr val="accent1"/>
+          </a:effectRef>
+          <a:fontRef idx="minor">
+            <a:schemeClr val="lt1"/>
+          </a:fontRef>
+        </p:style>
+        <p:txBody>
+          <a:bodyPr rtlCol="0" anchor="ctr"/>
+          <a:lstStyle/>
+          <a:p>
+            <a:pPr algn="ctr"/>
+            <a:endParaRPr lang="en-US"/>
+          </a:p>
+        </p:txBody>
+      </p:sp>
+      <p:sp>
+        <p:nvSpPr>
+          <p:cNvPr id="36" name="Rectangle 35">
+            <a:extLst>
+              <a:ext uri="{FF2B5EF4-FFF2-40B4-BE49-F238E27FC236}">
+                <a16:creationId xmlns:a16="http://schemas.microsoft.com/office/drawing/2014/main" id="{7B305CDF-D497-D34D-A4FB-5A570A3AC93B}"/>
+              </a:ext>
+            </a:extLst>
+          </p:cNvPr>
+          <p:cNvSpPr/>
+          <p:nvPr/>
+        </p:nvSpPr>
+        <p:spPr>
+          <a:xfrm>
+            <a:off x="3521676" y="934994"/>
+            <a:ext cx="3756429" cy="794952"/>
+          </a:xfrm>
+          <a:prstGeom prst="rect">
+            <a:avLst/>
+          </a:prstGeom>
+          <a:noFill/>
+        </p:spPr>
+        <p:style>
+          <a:lnRef idx="2">
+            <a:schemeClr val="accent1">
+              <a:shade val="50000"/>
+            </a:schemeClr>
+          </a:lnRef>
+          <a:fillRef idx="1">
+            <a:schemeClr val="accent1"/>
+          </a:fillRef>
+          <a:effectRef idx="0">
+            <a:schemeClr val="accent1"/>
+          </a:effectRef>
+          <a:fontRef idx="minor">
+            <a:schemeClr val="lt1"/>
+          </a:fontRef>
+        </p:style>
+        <p:txBody>
+          <a:bodyPr rtlCol="0" anchor="ctr"/>
+          <a:lstStyle/>
+          <a:p>
+            <a:pPr algn="ctr"/>
+            <a:endParaRPr lang="en-US"/>
+          </a:p>
+        </p:txBody>
+      </p:sp>
+      <p:sp>
+        <p:nvSpPr>
+          <p:cNvPr id="37" name="Rectangle 36">
+            <a:extLst>
+              <a:ext uri="{FF2B5EF4-FFF2-40B4-BE49-F238E27FC236}">
+                <a16:creationId xmlns:a16="http://schemas.microsoft.com/office/drawing/2014/main" id="{906EC3D5-507D-EC4D-B1B8-77AA1508C51A}"/>
+              </a:ext>
+            </a:extLst>
+          </p:cNvPr>
+          <p:cNvSpPr/>
+          <p:nvPr/>
+        </p:nvSpPr>
+        <p:spPr>
+          <a:xfrm>
+            <a:off x="7887705" y="3031524"/>
+            <a:ext cx="3756429" cy="794952"/>
+          </a:xfrm>
+          <a:prstGeom prst="rect">
+            <a:avLst/>
+          </a:prstGeom>
+          <a:noFill/>
+        </p:spPr>
+        <p:style>
+          <a:lnRef idx="2">
+            <a:schemeClr val="accent1">
+              <a:shade val="50000"/>
+            </a:schemeClr>
+          </a:lnRef>
+          <a:fillRef idx="1">
+            <a:schemeClr val="accent1"/>
+          </a:fillRef>
+          <a:effectRef idx="0">
+            <a:schemeClr val="accent1"/>
+          </a:effectRef>
+          <a:fontRef idx="minor">
+            <a:schemeClr val="lt1"/>
+          </a:fontRef>
+        </p:style>
+        <p:txBody>
+          <a:bodyPr rtlCol="0" anchor="ctr"/>
+          <a:lstStyle/>
+          <a:p>
+            <a:pPr algn="ctr"/>
+            <a:endParaRPr lang="en-US"/>
+          </a:p>
+        </p:txBody>
+      </p:sp>
+      <p:sp>
+        <p:nvSpPr>
+          <p:cNvPr id="38" name="Rectangle 37">
+            <a:extLst>
+              <a:ext uri="{FF2B5EF4-FFF2-40B4-BE49-F238E27FC236}">
+                <a16:creationId xmlns:a16="http://schemas.microsoft.com/office/drawing/2014/main" id="{267EBFDB-5060-A849-A354-69CB54D4EC90}"/>
+              </a:ext>
+            </a:extLst>
+          </p:cNvPr>
+          <p:cNvSpPr/>
+          <p:nvPr/>
+        </p:nvSpPr>
+        <p:spPr>
+          <a:xfrm>
+            <a:off x="3521676" y="4120982"/>
+            <a:ext cx="3756429" cy="794952"/>
+          </a:xfrm>
+          <a:prstGeom prst="rect">
+            <a:avLst/>
+          </a:prstGeom>
+          <a:noFill/>
+        </p:spPr>
+        <p:style>
+          <a:lnRef idx="2">
+            <a:schemeClr val="accent1">
+              <a:shade val="50000"/>
+            </a:schemeClr>
+          </a:lnRef>
+          <a:fillRef idx="1">
+            <a:schemeClr val="accent1"/>
+          </a:fillRef>
+          <a:effectRef idx="0">
+            <a:schemeClr val="accent1"/>
+          </a:effectRef>
+          <a:fontRef idx="minor">
+            <a:schemeClr val="lt1"/>
+          </a:fontRef>
+        </p:style>
+        <p:txBody>
+          <a:bodyPr rtlCol="0" anchor="ctr"/>
+          <a:lstStyle/>
+          <a:p>
+            <a:pPr algn="ctr"/>
+            <a:endParaRPr lang="en-US"/>
+          </a:p>
+        </p:txBody>
+      </p:sp>
+      <p:sp>
+        <p:nvSpPr>
+          <p:cNvPr id="39" name="Rectangle 38">
+            <a:extLst>
+              <a:ext uri="{FF2B5EF4-FFF2-40B4-BE49-F238E27FC236}">
+                <a16:creationId xmlns:a16="http://schemas.microsoft.com/office/drawing/2014/main" id="{89736DC5-3008-7A44-9827-DE9AE4767478}"/>
+              </a:ext>
+            </a:extLst>
+          </p:cNvPr>
+          <p:cNvSpPr/>
+          <p:nvPr/>
+        </p:nvSpPr>
+        <p:spPr>
+          <a:xfrm>
+            <a:off x="3521675" y="5121877"/>
+            <a:ext cx="3756429" cy="794952"/>
+          </a:xfrm>
+          <a:prstGeom prst="rect">
+            <a:avLst/>
+          </a:prstGeom>
+          <a:noFill/>
+        </p:spPr>
+        <p:style>
+          <a:lnRef idx="2">
+            <a:schemeClr val="accent1">
+              <a:shade val="50000"/>
+            </a:schemeClr>
+          </a:lnRef>
+          <a:fillRef idx="1">
+            <a:schemeClr val="accent1"/>
+          </a:fillRef>
+          <a:effectRef idx="0">
+            <a:schemeClr val="accent1"/>
+          </a:effectRef>
+          <a:fontRef idx="minor">
+            <a:schemeClr val="lt1"/>
+          </a:fontRef>
+        </p:style>
+        <p:txBody>
+          <a:bodyPr rtlCol="0" anchor="ctr"/>
+          <a:lstStyle/>
+          <a:p>
+            <a:pPr algn="ctr"/>
+            <a:endParaRPr lang="en-US"/>
+          </a:p>
+        </p:txBody>
+      </p:sp>
+      <p:sp>
+        <p:nvSpPr>
+          <p:cNvPr id="40" name="Rectangle 39">
+            <a:extLst>
+              <a:ext uri="{FF2B5EF4-FFF2-40B4-BE49-F238E27FC236}">
+                <a16:creationId xmlns:a16="http://schemas.microsoft.com/office/drawing/2014/main" id="{3B0AD652-555E-0643-84AF-21CF14718AC5}"/>
+              </a:ext>
+            </a:extLst>
+          </p:cNvPr>
+          <p:cNvSpPr/>
+          <p:nvPr/>
+        </p:nvSpPr>
+        <p:spPr>
+          <a:xfrm>
+            <a:off x="7887705" y="1987723"/>
+            <a:ext cx="3756429" cy="794952"/>
+          </a:xfrm>
+          <a:prstGeom prst="rect">
+            <a:avLst/>
+          </a:prstGeom>
+          <a:noFill/>
+        </p:spPr>
+        <p:style>
+          <a:lnRef idx="2">
+            <a:schemeClr val="accent1">
+              <a:shade val="50000"/>
+            </a:schemeClr>
+          </a:lnRef>
+          <a:fillRef idx="1">
+            <a:schemeClr val="accent1"/>
+          </a:fillRef>
+          <a:effectRef idx="0">
+            <a:schemeClr val="accent1"/>
+          </a:effectRef>
+          <a:fontRef idx="minor">
+            <a:schemeClr val="lt1"/>
+          </a:fontRef>
+        </p:style>
+        <p:txBody>
+          <a:bodyPr rtlCol="0" anchor="ctr"/>
+          <a:lstStyle/>
+          <a:p>
+            <a:pPr algn="ctr"/>
+            <a:endParaRPr lang="en-US"/>
+          </a:p>
+        </p:txBody>
+      </p:sp>
+      <p:cxnSp>
+        <p:nvCxnSpPr>
+          <p:cNvPr id="42" name="Straight Connector 41">
+            <a:extLst>
+              <a:ext uri="{FF2B5EF4-FFF2-40B4-BE49-F238E27FC236}">
+                <a16:creationId xmlns:a16="http://schemas.microsoft.com/office/drawing/2014/main" id="{61246207-BB7C-A146-B1F4-E90A05A675DC}"/>
+              </a:ext>
+            </a:extLst>
+          </p:cNvPr>
+          <p:cNvCxnSpPr/>
+          <p:nvPr/>
+        </p:nvCxnSpPr>
+        <p:spPr>
+          <a:xfrm>
+            <a:off x="3253417" y="6203091"/>
+            <a:ext cx="8920165" cy="0"/>
+          </a:xfrm>
+          <a:prstGeom prst="line">
+            <a:avLst/>
+          </a:prstGeom>
+        </p:spPr>
+        <p:style>
+          <a:lnRef idx="1">
+            <a:schemeClr val="accent1"/>
+          </a:lnRef>
+          <a:fillRef idx="0">
+            <a:schemeClr val="accent1"/>
+          </a:fillRef>
+          <a:effectRef idx="0">
+            <a:schemeClr val="accent1"/>
+          </a:effectRef>
+          <a:fontRef idx="minor">
+            <a:schemeClr val="tx1"/>
+          </a:fontRef>
+        </p:style>
+      </p:cxnSp>
+      <p:sp>
+        <p:nvSpPr>
+          <p:cNvPr id="43" name="Rectangle 42">
+            <a:extLst>
+              <a:ext uri="{FF2B5EF4-FFF2-40B4-BE49-F238E27FC236}">
+                <a16:creationId xmlns:a16="http://schemas.microsoft.com/office/drawing/2014/main" id="{44308164-5306-4447-8404-0CD3472D0405}"/>
+              </a:ext>
+            </a:extLst>
+          </p:cNvPr>
+          <p:cNvSpPr/>
+          <p:nvPr/>
+        </p:nvSpPr>
+        <p:spPr>
+          <a:xfrm>
+            <a:off x="3455938" y="6337639"/>
+            <a:ext cx="7652784" cy="398167"/>
+          </a:xfrm>
+          <a:prstGeom prst="rect">
+            <a:avLst/>
+          </a:prstGeom>
+          <a:noFill/>
+        </p:spPr>
+        <p:style>
+          <a:lnRef idx="2">
+            <a:schemeClr val="accent1">
+              <a:shade val="50000"/>
+            </a:schemeClr>
+          </a:lnRef>
+          <a:fillRef idx="1">
+            <a:schemeClr val="accent1"/>
+          </a:fillRef>
+          <a:effectRef idx="0">
+            <a:schemeClr val="accent1"/>
+          </a:effectRef>
+          <a:fontRef idx="minor">
+            <a:schemeClr val="lt1"/>
+          </a:fontRef>
+        </p:style>
+        <p:txBody>
+          <a:bodyPr rtlCol="0" anchor="ctr"/>
+          <a:lstStyle/>
+          <a:p>
+            <a:pPr algn="ctr"/>
+            <a:endParaRPr lang="en-US"/>
+          </a:p>
+        </p:txBody>
+      </p:sp>
+      <p:sp>
+        <p:nvSpPr>
+          <p:cNvPr id="44" name="Rectangle 43">
+            <a:extLst>
+              <a:ext uri="{FF2B5EF4-FFF2-40B4-BE49-F238E27FC236}">
+                <a16:creationId xmlns:a16="http://schemas.microsoft.com/office/drawing/2014/main" id="{6AF15D19-00D9-E942-BA4C-F9C87DED5B5C}"/>
+              </a:ext>
+            </a:extLst>
+          </p:cNvPr>
+          <p:cNvSpPr/>
+          <p:nvPr/>
+        </p:nvSpPr>
+        <p:spPr>
+          <a:xfrm>
+            <a:off x="11281719" y="6337640"/>
+            <a:ext cx="716692" cy="398165"/>
+          </a:xfrm>
+          <a:prstGeom prst="rect">
+            <a:avLst/>
+          </a:prstGeom>
+        </p:spPr>
+        <p:style>
+          <a:lnRef idx="2">
+            <a:schemeClr val="accent1">
+              <a:shade val="50000"/>
+            </a:schemeClr>
+          </a:lnRef>
+          <a:fillRef idx="1">
+            <a:schemeClr val="accent1"/>
+          </a:fillRef>
+          <a:effectRef idx="0">
+            <a:schemeClr val="accent1"/>
+          </a:effectRef>
+          <a:fontRef idx="minor">
+            <a:schemeClr val="lt1"/>
+          </a:fontRef>
+        </p:style>
+        <p:txBody>
+          <a:bodyPr rtlCol="0" anchor="ctr"/>
+          <a:lstStyle/>
+          <a:p>
+            <a:pPr algn="ctr"/>
+            <a:endParaRPr lang="en-US"/>
+          </a:p>
+        </p:txBody>
+      </p:sp>
+      <p:sp>
+        <p:nvSpPr>
+          <p:cNvPr id="46" name="Oval 45">
+            <a:extLst>
+              <a:ext uri="{FF2B5EF4-FFF2-40B4-BE49-F238E27FC236}">
+                <a16:creationId xmlns:a16="http://schemas.microsoft.com/office/drawing/2014/main" id="{35FE0DEB-F0DD-8B40-9853-136ED10A01B7}"/>
+              </a:ext>
+            </a:extLst>
+          </p:cNvPr>
+          <p:cNvSpPr/>
+          <p:nvPr/>
+        </p:nvSpPr>
+        <p:spPr>
+          <a:xfrm>
+            <a:off x="3609454" y="1135276"/>
+            <a:ext cx="367959" cy="367959"/>
+          </a:xfrm>
+          <a:prstGeom prst="ellipse">
+            <a:avLst/>
+          </a:prstGeom>
+        </p:spPr>
+        <p:style>
+          <a:lnRef idx="2">
+            <a:schemeClr val="accent1">
+              <a:shade val="50000"/>
+            </a:schemeClr>
+          </a:lnRef>
+          <a:fillRef idx="1">
+            <a:schemeClr val="accent1"/>
+          </a:fillRef>
+          <a:effectRef idx="0">
+            <a:schemeClr val="accent1"/>
+          </a:effectRef>
+          <a:fontRef idx="minor">
+            <a:schemeClr val="lt1"/>
+          </a:fontRef>
+        </p:style>
+        <p:txBody>
+          <a:bodyPr rtlCol="0" anchor="ctr"/>
+          <a:lstStyle/>
+          <a:p>
+            <a:pPr algn="ctr"/>
+            <a:endParaRPr lang="en-US"/>
+          </a:p>
+        </p:txBody>
+      </p:sp>
+      <p:sp>
+        <p:nvSpPr>
+          <p:cNvPr id="47" name="Rectangle 46">
+            <a:extLst>
+              <a:ext uri="{FF2B5EF4-FFF2-40B4-BE49-F238E27FC236}">
+                <a16:creationId xmlns:a16="http://schemas.microsoft.com/office/drawing/2014/main" id="{C0F98F06-1EAF-994E-B2ED-93D8A4D702BC}"/>
+              </a:ext>
+            </a:extLst>
+          </p:cNvPr>
+          <p:cNvSpPr/>
+          <p:nvPr/>
+        </p:nvSpPr>
+        <p:spPr>
+          <a:xfrm>
+            <a:off x="4199093" y="1135276"/>
+            <a:ext cx="2856615" cy="367959"/>
+          </a:xfrm>
+          <a:prstGeom prst="rect">
+            <a:avLst/>
+          </a:prstGeom>
+        </p:spPr>
+        <p:style>
+          <a:lnRef idx="2">
+            <a:schemeClr val="accent1">
+              <a:shade val="50000"/>
+            </a:schemeClr>
+          </a:lnRef>
+          <a:fillRef idx="1">
+            <a:schemeClr val="accent1"/>
+          </a:fillRef>
+          <a:effectRef idx="0">
+            <a:schemeClr val="accent1"/>
+          </a:effectRef>
+          <a:fontRef idx="minor">
+            <a:schemeClr val="lt1"/>
+          </a:fontRef>
+        </p:style>
+        <p:txBody>
+          <a:bodyPr rtlCol="0" anchor="ctr"/>
+          <a:lstStyle/>
+          <a:p>
+            <a:pPr algn="ctr"/>
+            <a:endParaRPr lang="en-US"/>
+          </a:p>
+        </p:txBody>
+      </p:sp>
     </p:spTree>
     <p:extLst>
       <p:ext uri="{BB962C8B-B14F-4D97-AF65-F5344CB8AC3E}">
         <p14:creationId xmlns:p14="http://schemas.microsoft.com/office/powerpoint/2010/main" val="1818946462"/>
+      </p:ext>
+    </p:extLst>
+  </p:cSld>
+  <p:clrMapOvr>
+    <a:masterClrMapping/>
+  </p:clrMapOvr>
+</p:sld>
+</file>
+
+<file path=ppt/slides/slide2.xml><?xml version="1.0" encoding="utf-8"?>
+<p:sld xmlns:a="http://schemas.openxmlformats.org/drawingml/2006/main" xmlns:r="http://schemas.openxmlformats.org/officeDocument/2006/relationships" xmlns:p="http://schemas.openxmlformats.org/presentationml/2006/main">
+  <p:cSld>
+    <p:spTree>
+      <p:nvGrpSpPr>
+        <p:cNvPr id="1" name=""/>
+        <p:cNvGrpSpPr/>
+        <p:nvPr/>
+      </p:nvGrpSpPr>
+      <p:grpSpPr>
+        <a:xfrm>
+          <a:off x="0" y="0"/>
+          <a:ext cx="0" cy="0"/>
+          <a:chOff x="0" y="0"/>
+          <a:chExt cx="0" cy="0"/>
+        </a:xfrm>
+      </p:grpSpPr>
+      <p:sp>
+        <p:nvSpPr>
+          <p:cNvPr id="5" name="Rectangle 4">
+            <a:extLst>
+              <a:ext uri="{FF2B5EF4-FFF2-40B4-BE49-F238E27FC236}">
+                <a16:creationId xmlns:a16="http://schemas.microsoft.com/office/drawing/2014/main" id="{0B936FF8-171E-4E40-8417-BD7456D75B18}"/>
+              </a:ext>
+            </a:extLst>
+          </p:cNvPr>
+          <p:cNvSpPr/>
+          <p:nvPr/>
+        </p:nvSpPr>
+        <p:spPr>
+          <a:xfrm>
+            <a:off x="642552" y="273907"/>
+            <a:ext cx="4584356" cy="6289589"/>
+          </a:xfrm>
+          <a:prstGeom prst="rect">
+            <a:avLst/>
+          </a:prstGeom>
+          <a:noFill/>
+          <a:ln w="76200"/>
+        </p:spPr>
+        <p:style>
+          <a:lnRef idx="2">
+            <a:schemeClr val="accent1">
+              <a:shade val="50000"/>
+            </a:schemeClr>
+          </a:lnRef>
+          <a:fillRef idx="1">
+            <a:schemeClr val="accent1"/>
+          </a:fillRef>
+          <a:effectRef idx="0">
+            <a:schemeClr val="accent1"/>
+          </a:effectRef>
+          <a:fontRef idx="minor">
+            <a:schemeClr val="lt1"/>
+          </a:fontRef>
+        </p:style>
+        <p:txBody>
+          <a:bodyPr rtlCol="0" anchor="ctr"/>
+          <a:lstStyle/>
+          <a:p>
+            <a:pPr algn="ctr"/>
+            <a:endParaRPr lang="en-US"/>
+          </a:p>
+        </p:txBody>
+      </p:sp>
+      <p:cxnSp>
+        <p:nvCxnSpPr>
+          <p:cNvPr id="7" name="Straight Connector 6">
+            <a:extLst>
+              <a:ext uri="{FF2B5EF4-FFF2-40B4-BE49-F238E27FC236}">
+                <a16:creationId xmlns:a16="http://schemas.microsoft.com/office/drawing/2014/main" id="{C2F1ACED-62AE-7547-8A88-2AC49C4FAEDE}"/>
+              </a:ext>
+            </a:extLst>
+          </p:cNvPr>
+          <p:cNvCxnSpPr>
+            <a:cxnSpLocks/>
+          </p:cNvCxnSpPr>
+          <p:nvPr/>
+        </p:nvCxnSpPr>
+        <p:spPr>
+          <a:xfrm>
+            <a:off x="642551" y="1371600"/>
+            <a:ext cx="4584357" cy="0"/>
+          </a:xfrm>
+          <a:prstGeom prst="line">
+            <a:avLst/>
+          </a:prstGeom>
+          <a:ln w="76200"/>
+        </p:spPr>
+        <p:style>
+          <a:lnRef idx="1">
+            <a:schemeClr val="accent1"/>
+          </a:lnRef>
+          <a:fillRef idx="0">
+            <a:schemeClr val="accent1"/>
+          </a:fillRef>
+          <a:effectRef idx="0">
+            <a:schemeClr val="accent1"/>
+          </a:effectRef>
+          <a:fontRef idx="minor">
+            <a:schemeClr val="tx1"/>
+          </a:fontRef>
+        </p:style>
+      </p:cxnSp>
+      <p:cxnSp>
+        <p:nvCxnSpPr>
+          <p:cNvPr id="8" name="Straight Connector 7">
+            <a:extLst>
+              <a:ext uri="{FF2B5EF4-FFF2-40B4-BE49-F238E27FC236}">
+                <a16:creationId xmlns:a16="http://schemas.microsoft.com/office/drawing/2014/main" id="{B717006C-6D11-CA4A-8A72-AB97D4D05FFF}"/>
+              </a:ext>
+            </a:extLst>
+          </p:cNvPr>
+          <p:cNvCxnSpPr>
+            <a:cxnSpLocks/>
+          </p:cNvCxnSpPr>
+          <p:nvPr/>
+        </p:nvCxnSpPr>
+        <p:spPr>
+          <a:xfrm>
+            <a:off x="642551" y="2215977"/>
+            <a:ext cx="4584357" cy="0"/>
+          </a:xfrm>
+          <a:prstGeom prst="line">
+            <a:avLst/>
+          </a:prstGeom>
+          <a:ln w="76200"/>
+        </p:spPr>
+        <p:style>
+          <a:lnRef idx="1">
+            <a:schemeClr val="accent1"/>
+          </a:lnRef>
+          <a:fillRef idx="0">
+            <a:schemeClr val="accent1"/>
+          </a:fillRef>
+          <a:effectRef idx="0">
+            <a:schemeClr val="accent1"/>
+          </a:effectRef>
+          <a:fontRef idx="minor">
+            <a:schemeClr val="tx1"/>
+          </a:fontRef>
+        </p:style>
+      </p:cxnSp>
+      <p:sp>
+        <p:nvSpPr>
+          <p:cNvPr id="9" name="TextBox 8">
+            <a:extLst>
+              <a:ext uri="{FF2B5EF4-FFF2-40B4-BE49-F238E27FC236}">
+                <a16:creationId xmlns:a16="http://schemas.microsoft.com/office/drawing/2014/main" id="{91CCCA6A-97CE-7E46-9BFA-B0E486E9FEE6}"/>
+              </a:ext>
+            </a:extLst>
+          </p:cNvPr>
+          <p:cNvSpPr txBox="1"/>
+          <p:nvPr/>
+        </p:nvSpPr>
+        <p:spPr>
+          <a:xfrm>
+            <a:off x="1856285" y="440035"/>
+            <a:ext cx="2018501" cy="369332"/>
+          </a:xfrm>
+          <a:prstGeom prst="rect">
+            <a:avLst/>
+          </a:prstGeom>
+          <a:noFill/>
+        </p:spPr>
+        <p:txBody>
+          <a:bodyPr wrap="none" rtlCol="0">
+            <a:spAutoFit/>
+          </a:bodyPr>
+          <a:lstStyle/>
+          <a:p>
+            <a:r>
+              <a:rPr lang="en-US" dirty="0"/>
+              <a:t>Signed in as (name)</a:t>
+            </a:r>
+          </a:p>
+        </p:txBody>
+      </p:sp>
+      <p:sp>
+        <p:nvSpPr>
+          <p:cNvPr id="10" name="TextBox 9">
+            <a:extLst>
+              <a:ext uri="{FF2B5EF4-FFF2-40B4-BE49-F238E27FC236}">
+                <a16:creationId xmlns:a16="http://schemas.microsoft.com/office/drawing/2014/main" id="{C7551C76-7270-CD42-9644-086CE8CF3564}"/>
+              </a:ext>
+            </a:extLst>
+          </p:cNvPr>
+          <p:cNvSpPr txBox="1"/>
+          <p:nvPr/>
+        </p:nvSpPr>
+        <p:spPr>
+          <a:xfrm>
+            <a:off x="2401146" y="1594707"/>
+            <a:ext cx="793294" cy="369332"/>
+          </a:xfrm>
+          <a:prstGeom prst="rect">
+            <a:avLst/>
+          </a:prstGeom>
+          <a:noFill/>
+        </p:spPr>
+        <p:txBody>
+          <a:bodyPr wrap="none" rtlCol="0">
+            <a:spAutoFit/>
+          </a:bodyPr>
+          <a:lstStyle/>
+          <a:p>
+            <a:r>
+              <a:rPr lang="en-US" dirty="0"/>
+              <a:t>Profile</a:t>
+            </a:r>
+          </a:p>
+        </p:txBody>
+      </p:sp>
+      <p:cxnSp>
+        <p:nvCxnSpPr>
+          <p:cNvPr id="11" name="Straight Connector 10">
+            <a:extLst>
+              <a:ext uri="{FF2B5EF4-FFF2-40B4-BE49-F238E27FC236}">
+                <a16:creationId xmlns:a16="http://schemas.microsoft.com/office/drawing/2014/main" id="{ECE19AFF-007F-A045-ACD8-FFA767C5D228}"/>
+              </a:ext>
+            </a:extLst>
+          </p:cNvPr>
+          <p:cNvCxnSpPr>
+            <a:cxnSpLocks/>
+          </p:cNvCxnSpPr>
+          <p:nvPr/>
+        </p:nvCxnSpPr>
+        <p:spPr>
+          <a:xfrm>
+            <a:off x="642551" y="3047999"/>
+            <a:ext cx="4584357" cy="0"/>
+          </a:xfrm>
+          <a:prstGeom prst="line">
+            <a:avLst/>
+          </a:prstGeom>
+          <a:ln w="76200"/>
+        </p:spPr>
+        <p:style>
+          <a:lnRef idx="1">
+            <a:schemeClr val="accent1"/>
+          </a:lnRef>
+          <a:fillRef idx="0">
+            <a:schemeClr val="accent1"/>
+          </a:fillRef>
+          <a:effectRef idx="0">
+            <a:schemeClr val="accent1"/>
+          </a:effectRef>
+          <a:fontRef idx="minor">
+            <a:schemeClr val="tx1"/>
+          </a:fontRef>
+        </p:style>
+      </p:cxnSp>
+      <p:sp>
+        <p:nvSpPr>
+          <p:cNvPr id="12" name="TextBox 11">
+            <a:extLst>
+              <a:ext uri="{FF2B5EF4-FFF2-40B4-BE49-F238E27FC236}">
+                <a16:creationId xmlns:a16="http://schemas.microsoft.com/office/drawing/2014/main" id="{74E1FB09-7088-9448-91F8-128E938FD3D2}"/>
+              </a:ext>
+            </a:extLst>
+          </p:cNvPr>
+          <p:cNvSpPr txBox="1"/>
+          <p:nvPr/>
+        </p:nvSpPr>
+        <p:spPr>
+          <a:xfrm>
+            <a:off x="2333403" y="2447322"/>
+            <a:ext cx="928780" cy="369332"/>
+          </a:xfrm>
+          <a:prstGeom prst="rect">
+            <a:avLst/>
+          </a:prstGeom>
+          <a:noFill/>
+        </p:spPr>
+        <p:txBody>
+          <a:bodyPr wrap="none" rtlCol="0">
+            <a:spAutoFit/>
+          </a:bodyPr>
+          <a:lstStyle/>
+          <a:p>
+            <a:r>
+              <a:rPr lang="en-US" dirty="0"/>
+              <a:t>Settings</a:t>
+            </a:r>
+          </a:p>
+        </p:txBody>
+      </p:sp>
+      <p:cxnSp>
+        <p:nvCxnSpPr>
+          <p:cNvPr id="13" name="Straight Connector 12">
+            <a:extLst>
+              <a:ext uri="{FF2B5EF4-FFF2-40B4-BE49-F238E27FC236}">
+                <a16:creationId xmlns:a16="http://schemas.microsoft.com/office/drawing/2014/main" id="{96E3BAE5-C0B1-2945-A3EA-3497DA7DCD7B}"/>
+              </a:ext>
+            </a:extLst>
+          </p:cNvPr>
+          <p:cNvCxnSpPr>
+            <a:cxnSpLocks/>
+          </p:cNvCxnSpPr>
+          <p:nvPr/>
+        </p:nvCxnSpPr>
+        <p:spPr>
+          <a:xfrm>
+            <a:off x="642551" y="3863543"/>
+            <a:ext cx="4584357" cy="0"/>
+          </a:xfrm>
+          <a:prstGeom prst="line">
+            <a:avLst/>
+          </a:prstGeom>
+          <a:ln w="76200"/>
+        </p:spPr>
+        <p:style>
+          <a:lnRef idx="1">
+            <a:schemeClr val="accent1"/>
+          </a:lnRef>
+          <a:fillRef idx="0">
+            <a:schemeClr val="accent1"/>
+          </a:fillRef>
+          <a:effectRef idx="0">
+            <a:schemeClr val="accent1"/>
+          </a:effectRef>
+          <a:fontRef idx="minor">
+            <a:schemeClr val="tx1"/>
+          </a:fontRef>
+        </p:style>
+      </p:cxnSp>
+      <p:sp>
+        <p:nvSpPr>
+          <p:cNvPr id="14" name="TextBox 13">
+            <a:extLst>
+              <a:ext uri="{FF2B5EF4-FFF2-40B4-BE49-F238E27FC236}">
+                <a16:creationId xmlns:a16="http://schemas.microsoft.com/office/drawing/2014/main" id="{FB7F0110-62A1-C644-9BFA-C1F153983BD4}"/>
+              </a:ext>
+            </a:extLst>
+          </p:cNvPr>
+          <p:cNvSpPr txBox="1"/>
+          <p:nvPr/>
+        </p:nvSpPr>
+        <p:spPr>
+          <a:xfrm>
+            <a:off x="2391687" y="3246389"/>
+            <a:ext cx="947695" cy="369332"/>
+          </a:xfrm>
+          <a:prstGeom prst="rect">
+            <a:avLst/>
+          </a:prstGeom>
+          <a:noFill/>
+        </p:spPr>
+        <p:txBody>
+          <a:bodyPr wrap="none" rtlCol="0">
+            <a:spAutoFit/>
+          </a:bodyPr>
+          <a:lstStyle/>
+          <a:p>
+            <a:r>
+              <a:rPr lang="en-US" dirty="0"/>
+              <a:t>Sign out</a:t>
+            </a:r>
+          </a:p>
+        </p:txBody>
+      </p:sp>
+      <p:sp>
+        <p:nvSpPr>
+          <p:cNvPr id="31" name="Rectangle 30">
+            <a:extLst>
+              <a:ext uri="{FF2B5EF4-FFF2-40B4-BE49-F238E27FC236}">
+                <a16:creationId xmlns:a16="http://schemas.microsoft.com/office/drawing/2014/main" id="{CD968DE3-5C3A-0F46-95BD-F5A813204984}"/>
+              </a:ext>
+            </a:extLst>
+          </p:cNvPr>
+          <p:cNvSpPr/>
+          <p:nvPr/>
+        </p:nvSpPr>
+        <p:spPr>
+          <a:xfrm>
+            <a:off x="6343136" y="273906"/>
+            <a:ext cx="4584356" cy="6289589"/>
+          </a:xfrm>
+          <a:prstGeom prst="rect">
+            <a:avLst/>
+          </a:prstGeom>
+          <a:noFill/>
+          <a:ln w="76200"/>
+        </p:spPr>
+        <p:style>
+          <a:lnRef idx="2">
+            <a:schemeClr val="accent1">
+              <a:shade val="50000"/>
+            </a:schemeClr>
+          </a:lnRef>
+          <a:fillRef idx="1">
+            <a:schemeClr val="accent1"/>
+          </a:fillRef>
+          <a:effectRef idx="0">
+            <a:schemeClr val="accent1"/>
+          </a:effectRef>
+          <a:fontRef idx="minor">
+            <a:schemeClr val="lt1"/>
+          </a:fontRef>
+        </p:style>
+        <p:txBody>
+          <a:bodyPr rtlCol="0" anchor="ctr"/>
+          <a:lstStyle/>
+          <a:p>
+            <a:pPr algn="ctr"/>
+            <a:endParaRPr lang="en-US"/>
+          </a:p>
+        </p:txBody>
+      </p:sp>
+      <p:cxnSp>
+        <p:nvCxnSpPr>
+          <p:cNvPr id="32" name="Straight Connector 31">
+            <a:extLst>
+              <a:ext uri="{FF2B5EF4-FFF2-40B4-BE49-F238E27FC236}">
+                <a16:creationId xmlns:a16="http://schemas.microsoft.com/office/drawing/2014/main" id="{513AFBF9-37A9-3749-AB4B-77BC5B777F22}"/>
+              </a:ext>
+            </a:extLst>
+          </p:cNvPr>
+          <p:cNvCxnSpPr>
+            <a:cxnSpLocks/>
+          </p:cNvCxnSpPr>
+          <p:nvPr/>
+        </p:nvCxnSpPr>
+        <p:spPr>
+          <a:xfrm>
+            <a:off x="6343135" y="1371600"/>
+            <a:ext cx="4584357" cy="0"/>
+          </a:xfrm>
+          <a:prstGeom prst="line">
+            <a:avLst/>
+          </a:prstGeom>
+          <a:ln w="76200"/>
+        </p:spPr>
+        <p:style>
+          <a:lnRef idx="1">
+            <a:schemeClr val="accent1"/>
+          </a:lnRef>
+          <a:fillRef idx="0">
+            <a:schemeClr val="accent1"/>
+          </a:fillRef>
+          <a:effectRef idx="0">
+            <a:schemeClr val="accent1"/>
+          </a:effectRef>
+          <a:fontRef idx="minor">
+            <a:schemeClr val="tx1"/>
+          </a:fontRef>
+        </p:style>
+      </p:cxnSp>
+      <p:sp>
+        <p:nvSpPr>
+          <p:cNvPr id="33" name="TextBox 32">
+            <a:extLst>
+              <a:ext uri="{FF2B5EF4-FFF2-40B4-BE49-F238E27FC236}">
+                <a16:creationId xmlns:a16="http://schemas.microsoft.com/office/drawing/2014/main" id="{060970D9-C010-374C-8F8B-9CF1040169E6}"/>
+              </a:ext>
+            </a:extLst>
+          </p:cNvPr>
+          <p:cNvSpPr txBox="1"/>
+          <p:nvPr/>
+        </p:nvSpPr>
+        <p:spPr>
+          <a:xfrm>
+            <a:off x="7923418" y="440035"/>
+            <a:ext cx="1423788" cy="369332"/>
+          </a:xfrm>
+          <a:prstGeom prst="rect">
+            <a:avLst/>
+          </a:prstGeom>
+          <a:noFill/>
+        </p:spPr>
+        <p:txBody>
+          <a:bodyPr wrap="none" rtlCol="0">
+            <a:spAutoFit/>
+          </a:bodyPr>
+          <a:lstStyle/>
+          <a:p>
+            <a:r>
+              <a:rPr lang="en-US" dirty="0"/>
+              <a:t>Not signed in</a:t>
+            </a:r>
+          </a:p>
+        </p:txBody>
+      </p:sp>
+      <p:cxnSp>
+        <p:nvCxnSpPr>
+          <p:cNvPr id="34" name="Straight Connector 33">
+            <a:extLst>
+              <a:ext uri="{FF2B5EF4-FFF2-40B4-BE49-F238E27FC236}">
+                <a16:creationId xmlns:a16="http://schemas.microsoft.com/office/drawing/2014/main" id="{A52134A2-A264-0344-BF28-1220C70B17A4}"/>
+              </a:ext>
+            </a:extLst>
+          </p:cNvPr>
+          <p:cNvCxnSpPr>
+            <a:cxnSpLocks/>
+          </p:cNvCxnSpPr>
+          <p:nvPr/>
+        </p:nvCxnSpPr>
+        <p:spPr>
+          <a:xfrm>
+            <a:off x="6343135" y="2257166"/>
+            <a:ext cx="4584357" cy="0"/>
+          </a:xfrm>
+          <a:prstGeom prst="line">
+            <a:avLst/>
+          </a:prstGeom>
+          <a:ln w="76200"/>
+        </p:spPr>
+        <p:style>
+          <a:lnRef idx="1">
+            <a:schemeClr val="accent1"/>
+          </a:lnRef>
+          <a:fillRef idx="0">
+            <a:schemeClr val="accent1"/>
+          </a:fillRef>
+          <a:effectRef idx="0">
+            <a:schemeClr val="accent1"/>
+          </a:effectRef>
+          <a:fontRef idx="minor">
+            <a:schemeClr val="tx1"/>
+          </a:fontRef>
+        </p:style>
+      </p:cxnSp>
+      <p:cxnSp>
+        <p:nvCxnSpPr>
+          <p:cNvPr id="35" name="Straight Connector 34">
+            <a:extLst>
+              <a:ext uri="{FF2B5EF4-FFF2-40B4-BE49-F238E27FC236}">
+                <a16:creationId xmlns:a16="http://schemas.microsoft.com/office/drawing/2014/main" id="{2DB987C6-8116-B04B-99A6-7C027BDF1D5D}"/>
+              </a:ext>
+            </a:extLst>
+          </p:cNvPr>
+          <p:cNvCxnSpPr>
+            <a:cxnSpLocks/>
+          </p:cNvCxnSpPr>
+          <p:nvPr/>
+        </p:nvCxnSpPr>
+        <p:spPr>
+          <a:xfrm>
+            <a:off x="6343135" y="3052118"/>
+            <a:ext cx="4584357" cy="0"/>
+          </a:xfrm>
+          <a:prstGeom prst="line">
+            <a:avLst/>
+          </a:prstGeom>
+          <a:ln w="76200"/>
+        </p:spPr>
+        <p:style>
+          <a:lnRef idx="1">
+            <a:schemeClr val="accent1"/>
+          </a:lnRef>
+          <a:fillRef idx="0">
+            <a:schemeClr val="accent1"/>
+          </a:fillRef>
+          <a:effectRef idx="0">
+            <a:schemeClr val="accent1"/>
+          </a:effectRef>
+          <a:fontRef idx="minor">
+            <a:schemeClr val="tx1"/>
+          </a:fontRef>
+        </p:style>
+      </p:cxnSp>
+      <p:cxnSp>
+        <p:nvCxnSpPr>
+          <p:cNvPr id="36" name="Straight Connector 35">
+            <a:extLst>
+              <a:ext uri="{FF2B5EF4-FFF2-40B4-BE49-F238E27FC236}">
+                <a16:creationId xmlns:a16="http://schemas.microsoft.com/office/drawing/2014/main" id="{778608EB-45D5-5546-A353-303082577E9F}"/>
+              </a:ext>
+            </a:extLst>
+          </p:cNvPr>
+          <p:cNvCxnSpPr>
+            <a:cxnSpLocks/>
+          </p:cNvCxnSpPr>
+          <p:nvPr/>
+        </p:nvCxnSpPr>
+        <p:spPr>
+          <a:xfrm>
+            <a:off x="6343134" y="3863543"/>
+            <a:ext cx="4584357" cy="0"/>
+          </a:xfrm>
+          <a:prstGeom prst="line">
+            <a:avLst/>
+          </a:prstGeom>
+          <a:ln w="76200"/>
+        </p:spPr>
+        <p:style>
+          <a:lnRef idx="1">
+            <a:schemeClr val="accent1"/>
+          </a:lnRef>
+          <a:fillRef idx="0">
+            <a:schemeClr val="accent1"/>
+          </a:fillRef>
+          <a:effectRef idx="0">
+            <a:schemeClr val="accent1"/>
+          </a:effectRef>
+          <a:fontRef idx="minor">
+            <a:schemeClr val="tx1"/>
+          </a:fontRef>
+        </p:style>
+      </p:cxnSp>
+    </p:spTree>
+    <p:extLst>
+      <p:ext uri="{BB962C8B-B14F-4D97-AF65-F5344CB8AC3E}">
+        <p14:creationId xmlns:p14="http://schemas.microsoft.com/office/powerpoint/2010/main" val="1402902569"/>
       </p:ext>
     </p:extLst>
   </p:cSld>

--- a/planning/components.pptx
+++ b/planning/components.pptx
@@ -106,6 +106,32 @@
     </a:lvl9pPr>
   </p:defaultTextStyle>
 </p:presentation>
+</file>
+
+<file path=ppt/commentAuthors.xml><?xml version="1.0" encoding="utf-8"?>
+<p:cmAuthorLst xmlns:a="http://schemas.openxmlformats.org/drawingml/2006/main" xmlns:r="http://schemas.openxmlformats.org/officeDocument/2006/relationships" xmlns:p="http://schemas.openxmlformats.org/presentationml/2006/main">
+  <p:cmAuthor id="1" name="XIAO NIANHE" initials="XN" lastIdx="1" clrIdx="0">
+    <p:extLst>
+      <p:ext uri="{19B8F6BF-5375-455C-9EA6-DF929625EA0E}">
+        <p15:presenceInfo xmlns:p15="http://schemas.microsoft.com/office/powerpoint/2012/main" userId="S::25yxiao389i@student.ri.edu.sg::29f068e3-1374-4ec0-802e-912d9d18e104" providerId="AD"/>
+      </p:ext>
+    </p:extLst>
+  </p:cmAuthor>
+</p:cmAuthorLst>
+</file>
+
+<file path=ppt/comments/comment1.xml><?xml version="1.0" encoding="utf-8"?>
+<p:cmLst xmlns:a="http://schemas.openxmlformats.org/drawingml/2006/main" xmlns:r="http://schemas.openxmlformats.org/officeDocument/2006/relationships" xmlns:p="http://schemas.openxmlformats.org/presentationml/2006/main">
+  <p:cm authorId="1" dt="2021-06-10T11:29:32.985" idx="1">
+    <p:pos x="10" y="10"/>
+    <p:text/>
+    <p:extLst>
+      <p:ext uri="{C676402C-5697-4E1C-873F-D02D1690AC5C}">
+        <p15:threadingInfo xmlns:p15="http://schemas.microsoft.com/office/powerpoint/2012/main" timeZoneBias="-480"/>
+      </p:ext>
+    </p:extLst>
+  </p:cm>
+</p:cmLst>
 </file>
 
 <file path=ppt/slideLayouts/slideLayout1.xml><?xml version="1.0" encoding="utf-8"?>
@@ -4542,7 +4568,10 @@
           <a:lstStyle/>
           <a:p>
             <a:pPr algn="ctr"/>
-            <a:endParaRPr lang="en-US"/>
+            <a:r>
+              <a:rPr lang="en-US" dirty="0"/>
+              <a:t>Send-button </a:t>
+            </a:r>
           </a:p>
         </p:txBody>
       </p:sp>
@@ -4588,7 +4617,14 @@
           <a:lstStyle/>
           <a:p>
             <a:pPr algn="ctr"/>
-            <a:endParaRPr lang="en-US"/>
+            <a:r>
+              <a:rPr lang="en-US" dirty="0" err="1"/>
+              <a:t>Pf</a:t>
+            </a:r>
+            <a:r>
+              <a:rPr lang="en-US" dirty="0"/>
+              <a:t>	</a:t>
+            </a:r>
           </a:p>
         </p:txBody>
       </p:sp>
@@ -4634,7 +4670,230 @@
           <a:lstStyle/>
           <a:p>
             <a:pPr algn="ctr"/>
-            <a:endParaRPr lang="en-US"/>
+            <a:r>
+              <a:rPr lang="en-US" dirty="0"/>
+              <a:t>Message-text</a:t>
+            </a:r>
+          </a:p>
+        </p:txBody>
+      </p:sp>
+      <p:sp>
+        <p:nvSpPr>
+          <p:cNvPr id="50" name="TextBox 49">
+            <a:extLst>
+              <a:ext uri="{FF2B5EF4-FFF2-40B4-BE49-F238E27FC236}">
+                <a16:creationId xmlns:a16="http://schemas.microsoft.com/office/drawing/2014/main" id="{A514E4C4-A44D-774A-A3EC-E9000E77A3B2}"/>
+              </a:ext>
+            </a:extLst>
+          </p:cNvPr>
+          <p:cNvSpPr txBox="1"/>
+          <p:nvPr/>
+        </p:nvSpPr>
+        <p:spPr>
+          <a:xfrm>
+            <a:off x="6543673" y="6366473"/>
+            <a:ext cx="2215991" cy="369332"/>
+          </a:xfrm>
+          <a:prstGeom prst="rect">
+            <a:avLst/>
+          </a:prstGeom>
+          <a:noFill/>
+        </p:spPr>
+        <p:txBody>
+          <a:bodyPr wrap="none" rtlCol="0">
+            <a:spAutoFit/>
+          </a:bodyPr>
+          <a:lstStyle/>
+          <a:p>
+            <a:r>
+              <a:rPr lang="en-US" dirty="0"/>
+              <a:t>Send-text component</a:t>
+            </a:r>
+          </a:p>
+        </p:txBody>
+      </p:sp>
+      <p:cxnSp>
+        <p:nvCxnSpPr>
+          <p:cNvPr id="53" name="Straight Arrow Connector 52">
+            <a:extLst>
+              <a:ext uri="{FF2B5EF4-FFF2-40B4-BE49-F238E27FC236}">
+                <a16:creationId xmlns:a16="http://schemas.microsoft.com/office/drawing/2014/main" id="{4062833E-A8DD-C74B-B3A1-9ACF99AD6551}"/>
+              </a:ext>
+            </a:extLst>
+          </p:cNvPr>
+          <p:cNvCxnSpPr>
+            <a:cxnSpLocks/>
+          </p:cNvCxnSpPr>
+          <p:nvPr/>
+        </p:nvCxnSpPr>
+        <p:spPr>
+          <a:xfrm flipH="1" flipV="1">
+            <a:off x="11640065" y="5881817"/>
+            <a:ext cx="479262" cy="484656"/>
+          </a:xfrm>
+          <a:prstGeom prst="straightConnector1">
+            <a:avLst/>
+          </a:prstGeom>
+          <a:ln>
+            <a:tailEnd type="triangle"/>
+          </a:ln>
+        </p:spPr>
+        <p:style>
+          <a:lnRef idx="1">
+            <a:schemeClr val="accent1"/>
+          </a:lnRef>
+          <a:fillRef idx="0">
+            <a:schemeClr val="accent1"/>
+          </a:fillRef>
+          <a:effectRef idx="0">
+            <a:schemeClr val="accent1"/>
+          </a:effectRef>
+          <a:fontRef idx="minor">
+            <a:schemeClr val="tx1"/>
+          </a:fontRef>
+        </p:style>
+      </p:cxnSp>
+      <p:sp>
+        <p:nvSpPr>
+          <p:cNvPr id="55" name="TextBox 54">
+            <a:extLst>
+              <a:ext uri="{FF2B5EF4-FFF2-40B4-BE49-F238E27FC236}">
+                <a16:creationId xmlns:a16="http://schemas.microsoft.com/office/drawing/2014/main" id="{50C202B6-18D8-CB48-A49A-D23A2F9EEB76}"/>
+              </a:ext>
+            </a:extLst>
+          </p:cNvPr>
+          <p:cNvSpPr txBox="1"/>
+          <p:nvPr/>
+        </p:nvSpPr>
+        <p:spPr>
+          <a:xfrm>
+            <a:off x="9333451" y="5488456"/>
+            <a:ext cx="2664960" cy="369332"/>
+          </a:xfrm>
+          <a:prstGeom prst="rect">
+            <a:avLst/>
+          </a:prstGeom>
+          <a:noFill/>
+        </p:spPr>
+        <p:txBody>
+          <a:bodyPr wrap="none" rtlCol="0">
+            <a:spAutoFit/>
+          </a:bodyPr>
+          <a:lstStyle/>
+          <a:p>
+            <a:r>
+              <a:rPr lang="en-US" dirty="0"/>
+              <a:t>Send-message component</a:t>
+            </a:r>
+          </a:p>
+        </p:txBody>
+      </p:sp>
+      <p:cxnSp>
+        <p:nvCxnSpPr>
+          <p:cNvPr id="57" name="Straight Arrow Connector 56">
+            <a:extLst>
+              <a:ext uri="{FF2B5EF4-FFF2-40B4-BE49-F238E27FC236}">
+                <a16:creationId xmlns:a16="http://schemas.microsoft.com/office/drawing/2014/main" id="{300699C9-E4A7-5B47-84AE-4E3315A3631A}"/>
+              </a:ext>
+            </a:extLst>
+          </p:cNvPr>
+          <p:cNvCxnSpPr/>
+          <p:nvPr/>
+        </p:nvCxnSpPr>
+        <p:spPr>
+          <a:xfrm>
+            <a:off x="7278104" y="1135276"/>
+            <a:ext cx="902069" cy="0"/>
+          </a:xfrm>
+          <a:prstGeom prst="straightConnector1">
+            <a:avLst/>
+          </a:prstGeom>
+          <a:ln>
+            <a:tailEnd type="triangle"/>
+          </a:ln>
+        </p:spPr>
+        <p:style>
+          <a:lnRef idx="1">
+            <a:schemeClr val="accent1"/>
+          </a:lnRef>
+          <a:fillRef idx="0">
+            <a:schemeClr val="accent1"/>
+          </a:fillRef>
+          <a:effectRef idx="0">
+            <a:schemeClr val="accent1"/>
+          </a:effectRef>
+          <a:fontRef idx="minor">
+            <a:schemeClr val="tx1"/>
+          </a:fontRef>
+        </p:style>
+      </p:cxnSp>
+      <p:sp>
+        <p:nvSpPr>
+          <p:cNvPr id="58" name="TextBox 57">
+            <a:extLst>
+              <a:ext uri="{FF2B5EF4-FFF2-40B4-BE49-F238E27FC236}">
+                <a16:creationId xmlns:a16="http://schemas.microsoft.com/office/drawing/2014/main" id="{656D41E6-F6E9-744A-BDD1-BCF440F780EC}"/>
+              </a:ext>
+            </a:extLst>
+          </p:cNvPr>
+          <p:cNvSpPr txBox="1"/>
+          <p:nvPr/>
+        </p:nvSpPr>
+        <p:spPr>
+          <a:xfrm>
+            <a:off x="8262260" y="950610"/>
+            <a:ext cx="2142381" cy="369332"/>
+          </a:xfrm>
+          <a:prstGeom prst="rect">
+            <a:avLst/>
+          </a:prstGeom>
+          <a:noFill/>
+        </p:spPr>
+        <p:txBody>
+          <a:bodyPr wrap="none" rtlCol="0">
+            <a:spAutoFit/>
+          </a:bodyPr>
+          <a:lstStyle/>
+          <a:p>
+            <a:r>
+              <a:rPr lang="en-US" dirty="0"/>
+              <a:t>Message component</a:t>
+            </a:r>
+          </a:p>
+        </p:txBody>
+      </p:sp>
+      <p:sp>
+        <p:nvSpPr>
+          <p:cNvPr id="61" name="TextBox 60">
+            <a:extLst>
+              <a:ext uri="{FF2B5EF4-FFF2-40B4-BE49-F238E27FC236}">
+                <a16:creationId xmlns:a16="http://schemas.microsoft.com/office/drawing/2014/main" id="{3AEE0CA8-AADC-F842-B2F0-6781D9B68A12}"/>
+              </a:ext>
+            </a:extLst>
+          </p:cNvPr>
+          <p:cNvSpPr txBox="1"/>
+          <p:nvPr/>
+        </p:nvSpPr>
+        <p:spPr>
+          <a:xfrm>
+            <a:off x="3793524" y="2767914"/>
+            <a:ext cx="1747851" cy="369332"/>
+          </a:xfrm>
+          <a:prstGeom prst="rect">
+            <a:avLst/>
+          </a:prstGeom>
+          <a:noFill/>
+        </p:spPr>
+        <p:txBody>
+          <a:bodyPr wrap="none" rtlCol="0">
+            <a:spAutoFit/>
+          </a:bodyPr>
+          <a:lstStyle/>
+          <a:p>
+            <a:r>
+              <a:rPr lang="en-US" dirty="0"/>
+              <a:t>Chat component</a:t>
+            </a:r>
           </a:p>
         </p:txBody>
       </p:sp>
